--- a/SC1015 Project Slides.pptx
+++ b/SC1015 Project Slides.pptx
@@ -5,7 +5,7 @@
     <p:sldMasterId id="2147483670" r:id="rId1"/>
   </p:sldMasterIdLst>
   <p:notesMasterIdLst>
-    <p:notesMasterId r:id="rId18"/>
+    <p:notesMasterId r:id="rId17"/>
   </p:notesMasterIdLst>
   <p:sldIdLst>
     <p:sldId id="256" r:id="rId2"/>
@@ -17,35 +17,34 @@
     <p:sldId id="310" r:id="rId8"/>
     <p:sldId id="265" r:id="rId9"/>
     <p:sldId id="299" r:id="rId10"/>
-    <p:sldId id="300" r:id="rId11"/>
-    <p:sldId id="301" r:id="rId12"/>
-    <p:sldId id="302" r:id="rId13"/>
-    <p:sldId id="303" r:id="rId14"/>
-    <p:sldId id="304" r:id="rId15"/>
-    <p:sldId id="307" r:id="rId16"/>
-    <p:sldId id="308" r:id="rId17"/>
+    <p:sldId id="303" r:id="rId11"/>
+    <p:sldId id="304" r:id="rId12"/>
+    <p:sldId id="312" r:id="rId13"/>
+    <p:sldId id="307" r:id="rId14"/>
+    <p:sldId id="308" r:id="rId15"/>
+    <p:sldId id="311" r:id="rId16"/>
   </p:sldIdLst>
   <p:sldSz cx="9144000" cy="5143500" type="screen16x9"/>
   <p:notesSz cx="6858000" cy="9144000"/>
   <p:embeddedFontLst>
     <p:embeddedFont>
       <p:font typeface="Livvic Light" pitchFamily="2" charset="0"/>
-      <p:regular r:id="rId19"/>
-      <p:italic r:id="rId20"/>
+      <p:regular r:id="rId18"/>
+      <p:italic r:id="rId19"/>
     </p:embeddedFont>
     <p:embeddedFont>
       <p:font typeface="Maven Pro" panose="02010600030101010101" charset="0"/>
-      <p:regular r:id="rId21"/>
-      <p:bold r:id="rId22"/>
+      <p:regular r:id="rId20"/>
+      <p:bold r:id="rId21"/>
     </p:embeddedFont>
     <p:embeddedFont>
       <p:font typeface="Nunito Light" pitchFamily="2" charset="0"/>
-      <p:regular r:id="rId23"/>
-      <p:italic r:id="rId24"/>
+      <p:regular r:id="rId22"/>
+      <p:italic r:id="rId23"/>
     </p:embeddedFont>
     <p:embeddedFont>
       <p:font typeface="Share Tech" panose="02010600030101010101" charset="0"/>
-      <p:regular r:id="rId25"/>
+      <p:regular r:id="rId24"/>
     </p:embeddedFont>
   </p:embeddedFontLst>
   <p:defaultTextStyle>
@@ -929,7 +928,7 @@
     </p:spTree>
     <p:extLst>
       <p:ext uri="{BB962C8B-B14F-4D97-AF65-F5344CB8AC3E}">
-        <p14:creationId xmlns:p14="http://schemas.microsoft.com/office/powerpoint/2010/main" val="3676302980"/>
+        <p14:creationId xmlns:p14="http://schemas.microsoft.com/office/powerpoint/2010/main" val="1092702849"/>
       </p:ext>
     </p:extLst>
   </p:cSld>
@@ -1031,6 +1030,16 @@
               </a:spcAft>
               <a:buNone/>
             </a:pPr>
+            <a:r>
+              <a:rPr lang="en-US" b="0" i="0" dirty="0">
+                <a:solidFill>
+                  <a:srgbClr val="D1D5DB"/>
+                </a:solidFill>
+                <a:effectLst/>
+                <a:latin typeface="Söhne"/>
+              </a:rPr>
+              <a:t>(Graph: Bar chart showing the importance of the top 10 features in predicting bankruptcy)</a:t>
+            </a:r>
             <a:endParaRPr dirty="0"/>
           </a:p>
         </p:txBody>
@@ -1038,7 +1047,7 @@
     </p:spTree>
     <p:extLst>
       <p:ext uri="{BB962C8B-B14F-4D97-AF65-F5344CB8AC3E}">
-        <p14:creationId xmlns:p14="http://schemas.microsoft.com/office/powerpoint/2010/main" val="564740627"/>
+        <p14:creationId xmlns:p14="http://schemas.microsoft.com/office/powerpoint/2010/main" val="1790766241"/>
       </p:ext>
     </p:extLst>
   </p:cSld>
@@ -1147,7 +1156,7 @@
     </p:spTree>
     <p:extLst>
       <p:ext uri="{BB962C8B-B14F-4D97-AF65-F5344CB8AC3E}">
-        <p14:creationId xmlns:p14="http://schemas.microsoft.com/office/powerpoint/2010/main" val="1669452727"/>
+        <p14:creationId xmlns:p14="http://schemas.microsoft.com/office/powerpoint/2010/main" val="2038148741"/>
       </p:ext>
     </p:extLst>
   </p:cSld>
@@ -1256,7 +1265,7 @@
     </p:spTree>
     <p:extLst>
       <p:ext uri="{BB962C8B-B14F-4D97-AF65-F5344CB8AC3E}">
-        <p14:creationId xmlns:p14="http://schemas.microsoft.com/office/powerpoint/2010/main" val="1092702849"/>
+        <p14:creationId xmlns:p14="http://schemas.microsoft.com/office/powerpoint/2010/main" val="2093600184"/>
       </p:ext>
     </p:extLst>
   </p:cSld>
@@ -1358,24 +1367,14 @@
               </a:spcAft>
               <a:buNone/>
             </a:pPr>
-            <a:r>
-              <a:rPr lang="en-US" b="0" i="0" dirty="0">
-                <a:solidFill>
-                  <a:srgbClr val="D1D5DB"/>
-                </a:solidFill>
-                <a:effectLst/>
-                <a:latin typeface="Söhne"/>
-              </a:rPr>
-              <a:t>(Graph: Bar chart showing the importance of the top 10 features in predicting bankruptcy)</a:t>
-            </a:r>
-            <a:endParaRPr dirty="0"/>
+            <a:endParaRPr lang="en-US" dirty="0"/>
           </a:p>
         </p:txBody>
       </p:sp>
     </p:spTree>
     <p:extLst>
       <p:ext uri="{BB962C8B-B14F-4D97-AF65-F5344CB8AC3E}">
-        <p14:creationId xmlns:p14="http://schemas.microsoft.com/office/powerpoint/2010/main" val="1790766241"/>
+        <p14:creationId xmlns:p14="http://schemas.microsoft.com/office/powerpoint/2010/main" val="1776677175"/>
       </p:ext>
     </p:extLst>
   </p:cSld>
@@ -1484,116 +1483,7 @@
     </p:spTree>
     <p:extLst>
       <p:ext uri="{BB962C8B-B14F-4D97-AF65-F5344CB8AC3E}">
-        <p14:creationId xmlns:p14="http://schemas.microsoft.com/office/powerpoint/2010/main" val="2093600184"/>
-      </p:ext>
-    </p:extLst>
-  </p:cSld>
-  <p:clrMapOvr>
-    <a:masterClrMapping/>
-  </p:clrMapOvr>
-</p:notes>
-</file>
-
-<file path=ppt/notesSlides/notesSlide16.xml><?xml version="1.0" encoding="utf-8"?>
-<p:notes xmlns:a="http://schemas.openxmlformats.org/drawingml/2006/main" xmlns:r="http://schemas.openxmlformats.org/officeDocument/2006/relationships" xmlns:p="http://schemas.openxmlformats.org/presentationml/2006/main" showMasterSp="0" showMasterPhAnim="0">
-  <p:cSld>
-    <p:spTree>
-      <p:nvGrpSpPr>
-        <p:cNvPr id="1" name="Shape 709"/>
-        <p:cNvGrpSpPr/>
-        <p:nvPr/>
-      </p:nvGrpSpPr>
-      <p:grpSpPr>
-        <a:xfrm>
-          <a:off x="0" y="0"/>
-          <a:ext cx="0" cy="0"/>
-          <a:chOff x="0" y="0"/>
-          <a:chExt cx="0" cy="0"/>
-        </a:xfrm>
-      </p:grpSpPr>
-      <p:sp>
-        <p:nvSpPr>
-          <p:cNvPr id="710" name="Google Shape;710;g6c4305b01e_0_30:notes"/>
-          <p:cNvSpPr>
-            <a:spLocks noGrp="1" noRot="1" noChangeAspect="1"/>
-          </p:cNvSpPr>
-          <p:nvPr>
-            <p:ph type="sldImg" idx="2"/>
-          </p:nvPr>
-        </p:nvSpPr>
-        <p:spPr>
-          <a:xfrm>
-            <a:off x="381000" y="685800"/>
-            <a:ext cx="6096000" cy="3429000"/>
-          </a:xfrm>
-          <a:custGeom>
-            <a:avLst/>
-            <a:gdLst/>
-            <a:ahLst/>
-            <a:cxnLst/>
-            <a:rect l="l" t="t" r="r" b="b"/>
-            <a:pathLst>
-              <a:path w="120000" h="120000" extrusionOk="0">
-                <a:moveTo>
-                  <a:pt x="0" y="0"/>
-                </a:moveTo>
-                <a:lnTo>
-                  <a:pt x="120000" y="0"/>
-                </a:lnTo>
-                <a:lnTo>
-                  <a:pt x="120000" y="120000"/>
-                </a:lnTo>
-                <a:lnTo>
-                  <a:pt x="0" y="120000"/>
-                </a:lnTo>
-                <a:close/>
-              </a:path>
-            </a:pathLst>
-          </a:custGeom>
-        </p:spPr>
-      </p:sp>
-      <p:sp>
-        <p:nvSpPr>
-          <p:cNvPr id="711" name="Google Shape;711;g6c4305b01e_0_30:notes"/>
-          <p:cNvSpPr txBox="1">
-            <a:spLocks noGrp="1"/>
-          </p:cNvSpPr>
-          <p:nvPr>
-            <p:ph type="body" idx="1"/>
-          </p:nvPr>
-        </p:nvSpPr>
-        <p:spPr>
-          <a:xfrm>
-            <a:off x="685800" y="4343400"/>
-            <a:ext cx="5486400" cy="4114800"/>
-          </a:xfrm>
-          <a:prstGeom prst="rect">
-            <a:avLst/>
-          </a:prstGeom>
-        </p:spPr>
-        <p:txBody>
-          <a:bodyPr spcFirstLastPara="1" wrap="square" lIns="91425" tIns="91425" rIns="91425" bIns="91425" anchor="t" anchorCtr="0">
-            <a:noAutofit/>
-          </a:bodyPr>
-          <a:lstStyle/>
-          <a:p>
-            <a:pPr marL="0" lvl="0" indent="0" algn="l" rtl="0">
-              <a:spcBef>
-                <a:spcPts val="0"/>
-              </a:spcBef>
-              <a:spcAft>
-                <a:spcPts val="0"/>
-              </a:spcAft>
-              <a:buNone/>
-            </a:pPr>
-            <a:endParaRPr lang="en-US" dirty="0"/>
-          </a:p>
-        </p:txBody>
-      </p:sp>
-    </p:spTree>
-    <p:extLst>
-      <p:ext uri="{BB962C8B-B14F-4D97-AF65-F5344CB8AC3E}">
-        <p14:creationId xmlns:p14="http://schemas.microsoft.com/office/powerpoint/2010/main" val="1776677175"/>
+        <p14:creationId xmlns:p14="http://schemas.microsoft.com/office/powerpoint/2010/main" val="2691405767"/>
       </p:ext>
     </p:extLst>
   </p:cSld>
@@ -10904,8 +10794,8 @@
         </p:nvSpPr>
         <p:spPr>
           <a:xfrm>
-            <a:off x="618825" y="411675"/>
-            <a:ext cx="4727700" cy="577800"/>
+            <a:off x="618824" y="411675"/>
+            <a:ext cx="7330359" cy="577800"/>
           </a:xfrm>
           <a:prstGeom prst="rect">
             <a:avLst/>
@@ -10917,9 +10807,18 @@
           </a:bodyPr>
           <a:lstStyle/>
           <a:p>
+            <a:pPr marL="0" lvl="0" indent="0" algn="l" rtl="0">
+              <a:spcBef>
+                <a:spcPts val="0"/>
+              </a:spcBef>
+              <a:spcAft>
+                <a:spcPts val="0"/>
+              </a:spcAft>
+              <a:buNone/>
+            </a:pPr>
             <a:r>
               <a:rPr lang="en-US" dirty="0"/>
-              <a:t>Logistic Regression Model</a:t>
+              <a:t>Model Evaluation</a:t>
             </a:r>
             <a:endParaRPr dirty="0"/>
           </a:p>
@@ -10964,7 +10863,7 @@
                 </a:solidFill>
                 <a:latin typeface="Share Tech"/>
               </a:rPr>
-              <a:t>Simple and interpretable model</a:t>
+              <a:t>Evaluated models using precision, recall, and f1-score</a:t>
             </a:r>
           </a:p>
           <a:p>
@@ -10976,23 +10875,14 @@
               <a:buChar char="•"/>
             </a:pPr>
             <a:r>
-              <a:rPr lang="en-US" sz="1800" dirty="0">
+              <a:rPr lang="en-US" sz="1800" dirty="0" err="1">
                 <a:solidFill>
                   <a:schemeClr val="lt1"/>
                 </a:solidFill>
                 <a:latin typeface="Share Tech"/>
               </a:rPr>
-              <a:t>Training Accuracy: 96.61%</a:t>
+              <a:t>XGBoost</a:t>
             </a:r>
-          </a:p>
-          <a:p>
-            <a:pPr algn="l">
-              <a:buClr>
-                <a:schemeClr val="bg1"/>
-              </a:buClr>
-              <a:buFont typeface="Arial" panose="020B0604020202020204" pitchFamily="34" charset="0"/>
-              <a:buChar char="•"/>
-            </a:pPr>
             <a:r>
               <a:rPr lang="en-US" sz="1800" dirty="0">
                 <a:solidFill>
@@ -11000,15 +10890,45 @@
                 </a:solidFill>
                 <a:latin typeface="Share Tech"/>
               </a:rPr>
-              <a:t>Test Accuracy: 97.19%</a:t>
+              <a:t> model performed the best overall</a:t>
             </a:r>
           </a:p>
         </p:txBody>
       </p:sp>
+      <p:pic>
+        <p:nvPicPr>
+          <p:cNvPr id="3" name="Picture 2">
+            <a:extLst>
+              <a:ext uri="{FF2B5EF4-FFF2-40B4-BE49-F238E27FC236}">
+                <a16:creationId xmlns:a16="http://schemas.microsoft.com/office/drawing/2014/main" id="{6ED54F98-68B8-FF54-44FA-CF894E60764B}"/>
+              </a:ext>
+            </a:extLst>
+          </p:cNvPr>
+          <p:cNvPicPr>
+            <a:picLocks noChangeAspect="1"/>
+          </p:cNvPicPr>
+          <p:nvPr/>
+        </p:nvPicPr>
+        <p:blipFill>
+          <a:blip r:embed="rId3"/>
+          <a:stretch>
+            <a:fillRect/>
+          </a:stretch>
+        </p:blipFill>
+        <p:spPr>
+          <a:xfrm>
+            <a:off x="618823" y="1680361"/>
+            <a:ext cx="7901147" cy="2630382"/>
+          </a:xfrm>
+          <a:prstGeom prst="rect">
+            <a:avLst/>
+          </a:prstGeom>
+        </p:spPr>
+      </p:pic>
     </p:spTree>
     <p:extLst>
       <p:ext uri="{BB962C8B-B14F-4D97-AF65-F5344CB8AC3E}">
-        <p14:creationId xmlns:p14="http://schemas.microsoft.com/office/powerpoint/2010/main" val="851684473"/>
+        <p14:creationId xmlns:p14="http://schemas.microsoft.com/office/powerpoint/2010/main" val="3855462818"/>
       </p:ext>
     </p:extLst>
   </p:cSld>
@@ -11060,10 +10980,9 @@
           </a:bodyPr>
           <a:lstStyle/>
           <a:p>
-            <a:pPr marL="0" lvl="0" indent="0"/>
             <a:r>
               <a:rPr lang="en-US" dirty="0"/>
-              <a:t>Decision Tree and Random Forest Models</a:t>
+              <a:t>Feature Importance</a:t>
             </a:r>
             <a:endParaRPr dirty="0"/>
           </a:p>
@@ -11077,8 +10996,8 @@
         </p:nvSpPr>
         <p:spPr>
           <a:xfrm>
-            <a:off x="564048" y="901724"/>
-            <a:ext cx="8015904" cy="1128628"/>
+            <a:off x="511247" y="989475"/>
+            <a:ext cx="3615080" cy="3551789"/>
           </a:xfrm>
           <a:prstGeom prst="rect">
             <a:avLst/>
@@ -11102,14 +11021,44 @@
               <a:buChar char="•"/>
             </a:pPr>
             <a:r>
-              <a:rPr lang="en-US" sz="1800" dirty="0">
+              <a:rPr lang="en-SG" sz="1800" dirty="0">
                 <a:solidFill>
                   <a:schemeClr val="lt1"/>
                 </a:solidFill>
                 <a:latin typeface="Share Tech"/>
               </a:rPr>
-              <a:t>Ensemble models with high accuracy</a:t>
+              <a:t> Based on the regression model, there are 19 important predictors</a:t>
             </a:r>
+          </a:p>
+          <a:p>
+            <a:pPr algn="l">
+              <a:buClr>
+                <a:schemeClr val="bg1"/>
+              </a:buClr>
+              <a:buFont typeface="Arial" panose="020B0604020202020204" pitchFamily="34" charset="0"/>
+              <a:buChar char="•"/>
+            </a:pPr>
+            <a:endParaRPr lang="en-SG" sz="1800" dirty="0">
+              <a:solidFill>
+                <a:schemeClr val="lt1"/>
+              </a:solidFill>
+              <a:latin typeface="Share Tech"/>
+            </a:endParaRPr>
+          </a:p>
+          <a:p>
+            <a:pPr algn="l">
+              <a:buClr>
+                <a:schemeClr val="bg1"/>
+              </a:buClr>
+              <a:buFont typeface="Arial" panose="020B0604020202020204" pitchFamily="34" charset="0"/>
+              <a:buChar char="•"/>
+            </a:pPr>
+            <a:endParaRPr lang="en-SG" sz="1800" dirty="0">
+              <a:solidFill>
+                <a:schemeClr val="lt1"/>
+              </a:solidFill>
+              <a:latin typeface="Share Tech"/>
+            </a:endParaRPr>
           </a:p>
           <a:p>
             <a:pPr algn="l">
@@ -11126,15 +11075,100 @@
                 </a:solidFill>
                 <a:latin typeface="Share Tech"/>
               </a:rPr>
-              <a:t>Achieved accuracy of 87.4% and 90.2% respectively</a:t>
+              <a:t>Feature importance was calculated using the logistic regression model's coefficients, where larger absolute values indicate greater importance</a:t>
             </a:r>
+            <a:endParaRPr lang="en-SG" sz="1800" dirty="0">
+              <a:solidFill>
+                <a:schemeClr val="lt1"/>
+              </a:solidFill>
+              <a:latin typeface="Share Tech"/>
+            </a:endParaRPr>
+          </a:p>
+          <a:p>
+            <a:pPr algn="l">
+              <a:buClr>
+                <a:schemeClr val="bg1"/>
+              </a:buClr>
+              <a:buFont typeface="Arial" panose="020B0604020202020204" pitchFamily="34" charset="0"/>
+              <a:buChar char="•"/>
+            </a:pPr>
+            <a:endParaRPr lang="en-SG" sz="1800" dirty="0">
+              <a:solidFill>
+                <a:schemeClr val="lt1"/>
+              </a:solidFill>
+              <a:latin typeface="Share Tech"/>
+            </a:endParaRPr>
+          </a:p>
+          <a:p>
+            <a:pPr algn="l">
+              <a:buClr>
+                <a:schemeClr val="bg1"/>
+              </a:buClr>
+            </a:pPr>
+            <a:endParaRPr lang="en-SG" sz="1800" dirty="0">
+              <a:solidFill>
+                <a:schemeClr val="lt1"/>
+              </a:solidFill>
+              <a:latin typeface="Share Tech"/>
+            </a:endParaRPr>
+          </a:p>
+          <a:p>
+            <a:pPr algn="l">
+              <a:buClr>
+                <a:schemeClr val="bg1"/>
+              </a:buClr>
+            </a:pPr>
+            <a:br>
+              <a:rPr lang="en-SG" sz="1800" dirty="0">
+                <a:solidFill>
+                  <a:schemeClr val="lt1"/>
+                </a:solidFill>
+                <a:latin typeface="Share Tech"/>
+              </a:rPr>
+            </a:br>
+            <a:endParaRPr lang="en-US" sz="1800" dirty="0">
+              <a:solidFill>
+                <a:schemeClr val="lt1"/>
+              </a:solidFill>
+              <a:latin typeface="Share Tech"/>
+            </a:endParaRPr>
           </a:p>
         </p:txBody>
       </p:sp>
+      <p:pic>
+        <p:nvPicPr>
+          <p:cNvPr id="6" name="Picture 5">
+            <a:extLst>
+              <a:ext uri="{FF2B5EF4-FFF2-40B4-BE49-F238E27FC236}">
+                <a16:creationId xmlns:a16="http://schemas.microsoft.com/office/drawing/2014/main" id="{202A30C4-A331-EB10-D9BA-844E3DC19D17}"/>
+              </a:ext>
+            </a:extLst>
+          </p:cNvPr>
+          <p:cNvPicPr>
+            <a:picLocks noChangeAspect="1"/>
+          </p:cNvPicPr>
+          <p:nvPr/>
+        </p:nvPicPr>
+        <p:blipFill>
+          <a:blip r:embed="rId3"/>
+          <a:stretch>
+            <a:fillRect/>
+          </a:stretch>
+        </p:blipFill>
+        <p:spPr>
+          <a:xfrm>
+            <a:off x="4195484" y="989475"/>
+            <a:ext cx="4437270" cy="3904347"/>
+          </a:xfrm>
+          <a:prstGeom prst="rect">
+            <a:avLst/>
+          </a:prstGeom>
+        </p:spPr>
+      </p:pic>
     </p:spTree>
     <p:extLst>
       <p:ext uri="{BB962C8B-B14F-4D97-AF65-F5344CB8AC3E}">
-        <p14:creationId xmlns:p14="http://schemas.microsoft.com/office/powerpoint/2010/main" val="1434649119"/>
+        <p14:creationId xmlns:p14="http://schemas.microsoft.com/office/powerpoint/2010/main" val="2483420858"/>
       </p:ext>
     </p:extLst>
   </p:cSld>
@@ -11186,9 +11220,18 @@
           </a:bodyPr>
           <a:lstStyle/>
           <a:p>
+            <a:pPr marL="0" lvl="0" indent="0" algn="l" rtl="0">
+              <a:spcBef>
+                <a:spcPts val="0"/>
+              </a:spcBef>
+              <a:spcAft>
+                <a:spcPts val="0"/>
+              </a:spcAft>
+              <a:buNone/>
+            </a:pPr>
             <a:r>
               <a:rPr lang="en-US" dirty="0"/>
-              <a:t>KNN and SVM Models</a:t>
+              <a:t>Limitations</a:t>
             </a:r>
             <a:endParaRPr dirty="0"/>
           </a:p>
@@ -11202,8 +11245,8 @@
         </p:nvSpPr>
         <p:spPr>
           <a:xfrm>
-            <a:off x="564048" y="901724"/>
-            <a:ext cx="8015904" cy="1128628"/>
+            <a:off x="564048" y="1093824"/>
+            <a:ext cx="3562278" cy="3493543"/>
           </a:xfrm>
           <a:prstGeom prst="rect">
             <a:avLst/>
@@ -11219,7 +11262,7 @@
           </a:bodyPr>
           <a:lstStyle/>
           <a:p>
-            <a:pPr algn="l">
+            <a:pPr marL="285750" indent="-285750" algn="l">
               <a:buClr>
                 <a:schemeClr val="bg1"/>
               </a:buClr>
@@ -11233,11 +11276,24 @@
                 </a:solidFill>
                 <a:latin typeface="Share Tech"/>
               </a:rPr>
-              <a:t>Distance-based and kernel-based models</a:t>
+              <a:t>Small Dataset</a:t>
             </a:r>
           </a:p>
           <a:p>
             <a:pPr algn="l">
+              <a:buClr>
+                <a:schemeClr val="bg1"/>
+              </a:buClr>
+            </a:pPr>
+            <a:endParaRPr lang="en-US" sz="1800" dirty="0">
+              <a:solidFill>
+                <a:schemeClr val="lt1"/>
+              </a:solidFill>
+              <a:latin typeface="Share Tech"/>
+            </a:endParaRPr>
+          </a:p>
+          <a:p>
+            <a:pPr marL="285750" indent="-285750" algn="l">
               <a:buClr>
                 <a:schemeClr val="bg1"/>
               </a:buClr>
@@ -11251,109 +11307,26 @@
                 </a:solidFill>
                 <a:latin typeface="Share Tech"/>
               </a:rPr>
-              <a:t>Achieved accuracy of 81.2% and 89.4% respectively</a:t>
+              <a:t>Imbalance Data- with only 4.4% of observations belonging to the bankrupt class </a:t>
             </a:r>
           </a:p>
-        </p:txBody>
-      </p:sp>
-    </p:spTree>
-    <p:extLst>
-      <p:ext uri="{BB962C8B-B14F-4D97-AF65-F5344CB8AC3E}">
-        <p14:creationId xmlns:p14="http://schemas.microsoft.com/office/powerpoint/2010/main" val="539801087"/>
-      </p:ext>
-    </p:extLst>
-  </p:cSld>
-  <p:clrMapOvr>
-    <a:masterClrMapping/>
-  </p:clrMapOvr>
-</p:sld>
-</file>
-
-<file path=ppt/slides/slide13.xml><?xml version="1.0" encoding="utf-8"?>
-<p:sld xmlns:a="http://schemas.openxmlformats.org/drawingml/2006/main" xmlns:r="http://schemas.openxmlformats.org/officeDocument/2006/relationships" xmlns:p="http://schemas.openxmlformats.org/presentationml/2006/main">
-  <p:cSld>
-    <p:spTree>
-      <p:nvGrpSpPr>
-        <p:cNvPr id="1" name="Shape 712"/>
-        <p:cNvGrpSpPr/>
-        <p:nvPr/>
-      </p:nvGrpSpPr>
-      <p:grpSpPr>
-        <a:xfrm>
-          <a:off x="0" y="0"/>
-          <a:ext cx="0" cy="0"/>
-          <a:chOff x="0" y="0"/>
-          <a:chExt cx="0" cy="0"/>
-        </a:xfrm>
-      </p:grpSpPr>
-      <p:sp>
-        <p:nvSpPr>
-          <p:cNvPr id="713" name="Google Shape;713;p34"/>
-          <p:cNvSpPr txBox="1">
-            <a:spLocks noGrp="1"/>
-          </p:cNvSpPr>
-          <p:nvPr>
-            <p:ph type="ctrTitle"/>
-          </p:nvPr>
-        </p:nvSpPr>
-        <p:spPr>
-          <a:xfrm>
-            <a:off x="618824" y="411675"/>
-            <a:ext cx="7330359" cy="577800"/>
-          </a:xfrm>
-          <a:prstGeom prst="rect">
-            <a:avLst/>
-          </a:prstGeom>
-        </p:spPr>
-        <p:txBody>
-          <a:bodyPr spcFirstLastPara="1" wrap="square" lIns="91425" tIns="91425" rIns="91425" bIns="91425" anchor="b" anchorCtr="0">
-            <a:noAutofit/>
-          </a:bodyPr>
-          <a:lstStyle/>
-          <a:p>
-            <a:pPr marL="0" lvl="0" indent="0" algn="l" rtl="0">
-              <a:spcBef>
-                <a:spcPts val="0"/>
-              </a:spcBef>
-              <a:spcAft>
-                <a:spcPts val="0"/>
-              </a:spcAft>
-              <a:buNone/>
+          <a:p>
+            <a:pPr marL="285750" indent="-285750" algn="l">
+              <a:buClr>
+                <a:schemeClr val="bg1"/>
+              </a:buClr>
+              <a:buFont typeface="Arial" panose="020B0604020202020204" pitchFamily="34" charset="0"/>
+              <a:buChar char="•"/>
             </a:pPr>
-            <a:r>
-              <a:rPr lang="en-US" dirty="0"/>
-              <a:t>Model Evaluation</a:t>
-            </a:r>
-            <a:endParaRPr dirty="0"/>
-          </a:p>
-        </p:txBody>
-      </p:sp>
-      <p:sp>
-        <p:nvSpPr>
-          <p:cNvPr id="714" name="Google Shape;714;p34"/>
-          <p:cNvSpPr txBox="1"/>
-          <p:nvPr/>
-        </p:nvSpPr>
-        <p:spPr>
-          <a:xfrm>
-            <a:off x="564048" y="901724"/>
-            <a:ext cx="8015904" cy="1128628"/>
-          </a:xfrm>
-          <a:prstGeom prst="rect">
-            <a:avLst/>
-          </a:prstGeom>
-          <a:noFill/>
-          <a:ln>
-            <a:noFill/>
-          </a:ln>
-        </p:spPr>
-        <p:txBody>
-          <a:bodyPr spcFirstLastPara="1" wrap="square" lIns="91425" tIns="91425" rIns="91425" bIns="91425" anchor="t" anchorCtr="0">
-            <a:noAutofit/>
-          </a:bodyPr>
-          <a:lstStyle/>
-          <a:p>
-            <a:pPr algn="l">
+            <a:endParaRPr lang="en-US" sz="1800" dirty="0">
+              <a:solidFill>
+                <a:schemeClr val="lt1"/>
+              </a:solidFill>
+              <a:latin typeface="Share Tech"/>
+            </a:endParaRPr>
+          </a:p>
+          <a:p>
+            <a:pPr marL="285750" indent="-285750" algn="l">
               <a:buClr>
                 <a:schemeClr val="bg1"/>
               </a:buClr>
@@ -11367,33 +11340,62 @@
                 </a:solidFill>
                 <a:latin typeface="Share Tech"/>
               </a:rPr>
-              <a:t>Evaluated models using precision, recall, and f1-score</a:t>
-            </a:r>
-          </a:p>
-          <a:p>
-            <a:pPr algn="l">
-              <a:buClr>
-                <a:schemeClr val="bg1"/>
-              </a:buClr>
-              <a:buFont typeface="Arial" panose="020B0604020202020204" pitchFamily="34" charset="0"/>
-              <a:buChar char="•"/>
-            </a:pPr>
-            <a:r>
-              <a:rPr lang="en-US" sz="1800" dirty="0">
-                <a:solidFill>
-                  <a:schemeClr val="lt1"/>
-                </a:solidFill>
-                <a:latin typeface="Share Tech"/>
-              </a:rPr>
-              <a:t>Random Forest model performed the best overall</a:t>
+              <a:t>Time Horizon</a:t>
             </a:r>
           </a:p>
         </p:txBody>
       </p:sp>
+      <p:pic>
+        <p:nvPicPr>
+          <p:cNvPr id="3074" name="Picture 2" descr="Know Your Limitations | SmallBizClub">
+            <a:extLst>
+              <a:ext uri="{FF2B5EF4-FFF2-40B4-BE49-F238E27FC236}">
+                <a16:creationId xmlns:a16="http://schemas.microsoft.com/office/drawing/2014/main" id="{87DF8CB0-2971-5DB3-5072-90A796575D80}"/>
+              </a:ext>
+            </a:extLst>
+          </p:cNvPr>
+          <p:cNvPicPr>
+            <a:picLocks noChangeAspect="1" noChangeArrowheads="1"/>
+          </p:cNvPicPr>
+          <p:nvPr/>
+        </p:nvPicPr>
+        <p:blipFill>
+          <a:blip r:embed="rId3">
+            <a:extLst>
+              <a:ext uri="{28A0092B-C50C-407E-A947-70E740481C1C}">
+                <a14:useLocalDpi xmlns:a14="http://schemas.microsoft.com/office/drawing/2010/main" val="0"/>
+              </a:ext>
+            </a:extLst>
+          </a:blip>
+          <a:srcRect/>
+          <a:stretch>
+            <a:fillRect/>
+          </a:stretch>
+        </p:blipFill>
+        <p:spPr bwMode="auto">
+          <a:xfrm>
+            <a:off x="4572000" y="1173892"/>
+            <a:ext cx="3733144" cy="2100623"/>
+          </a:xfrm>
+          <a:prstGeom prst="rect">
+            <a:avLst/>
+          </a:prstGeom>
+          <a:noFill/>
+          <a:extLst>
+            <a:ext uri="{909E8E84-426E-40DD-AFC4-6F175D3DCCD1}">
+              <a14:hiddenFill xmlns:a14="http://schemas.microsoft.com/office/drawing/2010/main">
+                <a:solidFill>
+                  <a:srgbClr val="FFFFFF"/>
+                </a:solidFill>
+              </a14:hiddenFill>
+            </a:ext>
+          </a:extLst>
+        </p:spPr>
+      </p:pic>
     </p:spTree>
     <p:extLst>
       <p:ext uri="{BB962C8B-B14F-4D97-AF65-F5344CB8AC3E}">
-        <p14:creationId xmlns:p14="http://schemas.microsoft.com/office/powerpoint/2010/main" val="3855462818"/>
+        <p14:creationId xmlns:p14="http://schemas.microsoft.com/office/powerpoint/2010/main" val="2537908616"/>
       </p:ext>
     </p:extLst>
   </p:cSld>
@@ -11403,132 +11405,7 @@
 </p:sld>
 </file>
 
-<file path=ppt/slides/slide14.xml><?xml version="1.0" encoding="utf-8"?>
-<p:sld xmlns:a="http://schemas.openxmlformats.org/drawingml/2006/main" xmlns:r="http://schemas.openxmlformats.org/officeDocument/2006/relationships" xmlns:p="http://schemas.openxmlformats.org/presentationml/2006/main">
-  <p:cSld>
-    <p:spTree>
-      <p:nvGrpSpPr>
-        <p:cNvPr id="1" name="Shape 712"/>
-        <p:cNvGrpSpPr/>
-        <p:nvPr/>
-      </p:nvGrpSpPr>
-      <p:grpSpPr>
-        <a:xfrm>
-          <a:off x="0" y="0"/>
-          <a:ext cx="0" cy="0"/>
-          <a:chOff x="0" y="0"/>
-          <a:chExt cx="0" cy="0"/>
-        </a:xfrm>
-      </p:grpSpPr>
-      <p:sp>
-        <p:nvSpPr>
-          <p:cNvPr id="713" name="Google Shape;713;p34"/>
-          <p:cNvSpPr txBox="1">
-            <a:spLocks noGrp="1"/>
-          </p:cNvSpPr>
-          <p:nvPr>
-            <p:ph type="ctrTitle"/>
-          </p:nvPr>
-        </p:nvSpPr>
-        <p:spPr>
-          <a:xfrm>
-            <a:off x="618824" y="411675"/>
-            <a:ext cx="7330359" cy="577800"/>
-          </a:xfrm>
-          <a:prstGeom prst="rect">
-            <a:avLst/>
-          </a:prstGeom>
-        </p:spPr>
-        <p:txBody>
-          <a:bodyPr spcFirstLastPara="1" wrap="square" lIns="91425" tIns="91425" rIns="91425" bIns="91425" anchor="b" anchorCtr="0">
-            <a:noAutofit/>
-          </a:bodyPr>
-          <a:lstStyle/>
-          <a:p>
-            <a:r>
-              <a:rPr lang="en-US" dirty="0"/>
-              <a:t>Feature Importance</a:t>
-            </a:r>
-            <a:endParaRPr dirty="0"/>
-          </a:p>
-        </p:txBody>
-      </p:sp>
-      <p:sp>
-        <p:nvSpPr>
-          <p:cNvPr id="714" name="Google Shape;714;p34"/>
-          <p:cNvSpPr txBox="1"/>
-          <p:nvPr/>
-        </p:nvSpPr>
-        <p:spPr>
-          <a:xfrm>
-            <a:off x="564048" y="901724"/>
-            <a:ext cx="8015904" cy="1128628"/>
-          </a:xfrm>
-          <a:prstGeom prst="rect">
-            <a:avLst/>
-          </a:prstGeom>
-          <a:noFill/>
-          <a:ln>
-            <a:noFill/>
-          </a:ln>
-        </p:spPr>
-        <p:txBody>
-          <a:bodyPr spcFirstLastPara="1" wrap="square" lIns="91425" tIns="91425" rIns="91425" bIns="91425" anchor="t" anchorCtr="0">
-            <a:noAutofit/>
-          </a:bodyPr>
-          <a:lstStyle/>
-          <a:p>
-            <a:pPr algn="l">
-              <a:buClr>
-                <a:schemeClr val="bg1"/>
-              </a:buClr>
-              <a:buFont typeface="Arial" panose="020B0604020202020204" pitchFamily="34" charset="0"/>
-              <a:buChar char="•"/>
-            </a:pPr>
-            <a:r>
-              <a:rPr lang="en-US" sz="1800" dirty="0">
-                <a:solidFill>
-                  <a:schemeClr val="lt1"/>
-                </a:solidFill>
-                <a:latin typeface="Share Tech"/>
-              </a:rPr>
-              <a:t>Top 10 important features identified</a:t>
-            </a:r>
-          </a:p>
-          <a:p>
-            <a:pPr algn="l">
-              <a:buClr>
-                <a:schemeClr val="bg1"/>
-              </a:buClr>
-              <a:buFont typeface="Arial" panose="020B0604020202020204" pitchFamily="34" charset="0"/>
-              <a:buChar char="•"/>
-            </a:pPr>
-            <a:r>
-              <a:rPr lang="en-US" sz="1800" dirty="0">
-                <a:solidFill>
-                  <a:schemeClr val="lt1"/>
-                </a:solidFill>
-                <a:latin typeface="Share Tech"/>
-              </a:rPr>
-              <a:t>Liquidity Ratio 1 and 2 most important</a:t>
-            </a:r>
-          </a:p>
-        </p:txBody>
-      </p:sp>
-    </p:spTree>
-    <p:extLst>
-      <p:ext uri="{BB962C8B-B14F-4D97-AF65-F5344CB8AC3E}">
-        <p14:creationId xmlns:p14="http://schemas.microsoft.com/office/powerpoint/2010/main" val="2483420858"/>
-      </p:ext>
-    </p:extLst>
-  </p:cSld>
-  <p:clrMapOvr>
-    <a:masterClrMapping/>
-  </p:clrMapOvr>
-</p:sld>
-</file>
-
-<file path=ppt/slides/slide15.xml><?xml version="1.0" encoding="utf-8"?>
+<file path=ppt/slides/slide13.xml><?xml version="1.0" encoding="utf-8"?>
 <p:sld xmlns:a="http://schemas.openxmlformats.org/drawingml/2006/main" xmlns:r="http://schemas.openxmlformats.org/officeDocument/2006/relationships" xmlns:p="http://schemas.openxmlformats.org/presentationml/2006/main">
   <p:cSld>
     <p:bg>
@@ -11603,8 +11480,8 @@
         </p:nvSpPr>
         <p:spPr>
           <a:xfrm>
-            <a:off x="564048" y="901724"/>
-            <a:ext cx="8015904" cy="1128628"/>
+            <a:off x="564048" y="1093824"/>
+            <a:ext cx="3562278" cy="3493543"/>
           </a:xfrm>
           <a:prstGeom prst="rect">
             <a:avLst/>
@@ -11638,6 +11515,19 @@
             </a:r>
           </a:p>
           <a:p>
+            <a:pPr algn="l">
+              <a:buClr>
+                <a:schemeClr val="bg1"/>
+              </a:buClr>
+            </a:pPr>
+            <a:endParaRPr lang="en-US" sz="1800" dirty="0">
+              <a:solidFill>
+                <a:schemeClr val="lt1"/>
+              </a:solidFill>
+              <a:latin typeface="Share Tech"/>
+            </a:endParaRPr>
+          </a:p>
+          <a:p>
             <a:pPr marL="285750" indent="-285750" algn="l">
               <a:buClr>
                 <a:schemeClr val="bg1"/>
@@ -11655,8 +11545,88 @@
               <a:t>Hyperparameter tuning to optimize model performance</a:t>
             </a:r>
           </a:p>
+          <a:p>
+            <a:pPr marL="285750" indent="-285750" algn="l">
+              <a:buClr>
+                <a:schemeClr val="bg1"/>
+              </a:buClr>
+              <a:buFont typeface="Arial" panose="020B0604020202020204" pitchFamily="34" charset="0"/>
+              <a:buChar char="•"/>
+            </a:pPr>
+            <a:endParaRPr lang="en-US" sz="1800" dirty="0">
+              <a:solidFill>
+                <a:schemeClr val="lt1"/>
+              </a:solidFill>
+              <a:latin typeface="Share Tech"/>
+            </a:endParaRPr>
+          </a:p>
+          <a:p>
+            <a:pPr marL="285750" indent="-285750" algn="l">
+              <a:buClr>
+                <a:schemeClr val="bg1"/>
+              </a:buClr>
+              <a:buFont typeface="Arial" panose="020B0604020202020204" pitchFamily="34" charset="0"/>
+              <a:buChar char="•"/>
+            </a:pPr>
+            <a:r>
+              <a:rPr lang="en-US" sz="1800" dirty="0">
+                <a:solidFill>
+                  <a:schemeClr val="lt1"/>
+                </a:solidFill>
+                <a:latin typeface="Share Tech"/>
+              </a:rPr>
+              <a:t>Trying different machine learning models or algorithms</a:t>
+            </a:r>
+          </a:p>
         </p:txBody>
       </p:sp>
+      <p:pic>
+        <p:nvPicPr>
+          <p:cNvPr id="1026" name="Picture 2" descr="Machine Learning - UT Dallas Department of Computer Science - The ...">
+            <a:extLst>
+              <a:ext uri="{FF2B5EF4-FFF2-40B4-BE49-F238E27FC236}">
+                <a16:creationId xmlns:a16="http://schemas.microsoft.com/office/drawing/2014/main" id="{7850EA62-6886-9BFC-7BC8-F1219A5EF94A}"/>
+              </a:ext>
+            </a:extLst>
+          </p:cNvPr>
+          <p:cNvPicPr>
+            <a:picLocks noChangeAspect="1" noChangeArrowheads="1"/>
+          </p:cNvPicPr>
+          <p:nvPr/>
+        </p:nvPicPr>
+        <p:blipFill>
+          <a:blip r:embed="rId4">
+            <a:extLst>
+              <a:ext uri="{28A0092B-C50C-407E-A947-70E740481C1C}">
+                <a14:useLocalDpi xmlns:a14="http://schemas.microsoft.com/office/drawing/2010/main" val="0"/>
+              </a:ext>
+            </a:extLst>
+          </a:blip>
+          <a:srcRect/>
+          <a:stretch>
+            <a:fillRect/>
+          </a:stretch>
+        </p:blipFill>
+        <p:spPr bwMode="auto">
+          <a:xfrm>
+            <a:off x="4437102" y="1093824"/>
+            <a:ext cx="4376484" cy="2461772"/>
+          </a:xfrm>
+          <a:prstGeom prst="rect">
+            <a:avLst/>
+          </a:prstGeom>
+          <a:noFill/>
+          <a:extLst>
+            <a:ext uri="{909E8E84-426E-40DD-AFC4-6F175D3DCCD1}">
+              <a14:hiddenFill xmlns:a14="http://schemas.microsoft.com/office/drawing/2010/main">
+                <a:solidFill>
+                  <a:srgbClr val="FFFFFF"/>
+                </a:solidFill>
+              </a14:hiddenFill>
+            </a:ext>
+          </a:extLst>
+        </p:spPr>
+      </p:pic>
     </p:spTree>
     <p:extLst>
       <p:ext uri="{BB962C8B-B14F-4D97-AF65-F5344CB8AC3E}">
@@ -11670,7 +11640,7 @@
 </p:sld>
 </file>
 
-<file path=ppt/slides/slide16.xml><?xml version="1.0" encoding="utf-8"?>
+<file path=ppt/slides/slide14.xml><?xml version="1.0" encoding="utf-8"?>
 <p:sld xmlns:a="http://schemas.openxmlformats.org/drawingml/2006/main" xmlns:r="http://schemas.openxmlformats.org/officeDocument/2006/relationships" xmlns:p="http://schemas.openxmlformats.org/presentationml/2006/main">
   <p:cSld>
     <p:spTree>
@@ -11762,13 +11732,22 @@
               <a:buChar char="•"/>
             </a:pPr>
             <a:r>
+              <a:rPr lang="en-US" sz="2400" dirty="0" err="1">
+                <a:solidFill>
+                  <a:schemeClr val="lt1"/>
+                </a:solidFill>
+                <a:latin typeface="Share Tech"/>
+              </a:rPr>
+              <a:t>XGBoost</a:t>
+            </a:r>
+            <a:r>
               <a:rPr lang="en-US" sz="2400" dirty="0">
                 <a:solidFill>
                   <a:schemeClr val="lt1"/>
                 </a:solidFill>
                 <a:latin typeface="Share Tech"/>
               </a:rPr>
-              <a:t>Random Forest model performed best with 90.2% accuracy</a:t>
+              <a:t> model performed best with 97% accuracy</a:t>
             </a:r>
           </a:p>
           <a:p>
@@ -11801,7 +11780,7 @@
                 </a:solidFill>
                 <a:latin typeface="Share Tech"/>
               </a:rPr>
-              <a:t>Liquidity Ratio 1 and 2 were the most important features</a:t>
+              <a:t>Liability-Assets Flag is one of the most important features</a:t>
             </a:r>
           </a:p>
           <a:p>
@@ -11890,6 +11869,405 @@
     <p:extLst>
       <p:ext uri="{BB962C8B-B14F-4D97-AF65-F5344CB8AC3E}">
         <p14:creationId xmlns:p14="http://schemas.microsoft.com/office/powerpoint/2010/main" val="494565851"/>
+      </p:ext>
+    </p:extLst>
+  </p:cSld>
+  <p:clrMapOvr>
+    <a:masterClrMapping/>
+  </p:clrMapOvr>
+</p:sld>
+</file>
+
+<file path=ppt/slides/slide15.xml><?xml version="1.0" encoding="utf-8"?>
+<p:sld xmlns:a="http://schemas.openxmlformats.org/drawingml/2006/main" xmlns:r="http://schemas.openxmlformats.org/officeDocument/2006/relationships" xmlns:p="http://schemas.openxmlformats.org/presentationml/2006/main">
+  <p:cSld>
+    <p:spTree>
+      <p:nvGrpSpPr>
+        <p:cNvPr id="1" name="Shape 712"/>
+        <p:cNvGrpSpPr/>
+        <p:nvPr/>
+      </p:nvGrpSpPr>
+      <p:grpSpPr>
+        <a:xfrm>
+          <a:off x="0" y="0"/>
+          <a:ext cx="0" cy="0"/>
+          <a:chOff x="0" y="0"/>
+          <a:chExt cx="0" cy="0"/>
+        </a:xfrm>
+      </p:grpSpPr>
+      <p:sp>
+        <p:nvSpPr>
+          <p:cNvPr id="3" name="Google Shape;435;p25">
+            <a:extLst>
+              <a:ext uri="{FF2B5EF4-FFF2-40B4-BE49-F238E27FC236}">
+                <a16:creationId xmlns:a16="http://schemas.microsoft.com/office/drawing/2014/main" id="{384F0DBD-B34D-3711-DF6D-7816D516F55B}"/>
+              </a:ext>
+            </a:extLst>
+          </p:cNvPr>
+          <p:cNvSpPr txBox="1">
+            <a:spLocks noGrp="1"/>
+          </p:cNvSpPr>
+          <p:nvPr>
+            <p:ph type="ctrTitle"/>
+          </p:nvPr>
+        </p:nvSpPr>
+        <p:spPr>
+          <a:xfrm>
+            <a:off x="1561650" y="751888"/>
+            <a:ext cx="6020700" cy="2052600"/>
+          </a:xfrm>
+          <a:prstGeom prst="rect">
+            <a:avLst/>
+          </a:prstGeom>
+        </p:spPr>
+        <p:txBody>
+          <a:bodyPr spcFirstLastPara="1" wrap="square" lIns="91425" tIns="91425" rIns="91425" bIns="91425" anchor="b" anchorCtr="0">
+            <a:noAutofit/>
+          </a:bodyPr>
+          <a:lstStyle/>
+          <a:p>
+            <a:pPr marL="0" lvl="0" indent="0" algn="ctr" rtl="0">
+              <a:spcBef>
+                <a:spcPts val="0"/>
+              </a:spcBef>
+              <a:spcAft>
+                <a:spcPts val="0"/>
+              </a:spcAft>
+              <a:buNone/>
+            </a:pPr>
+            <a:r>
+              <a:rPr lang="en-US" sz="7200" b="0" i="0" dirty="0">
+                <a:solidFill>
+                  <a:srgbClr val="D1D5DB"/>
+                </a:solidFill>
+                <a:effectLst/>
+                <a:latin typeface="Söhne"/>
+              </a:rPr>
+              <a:t>Thank You!</a:t>
+            </a:r>
+            <a:endParaRPr sz="7200" dirty="0"/>
+          </a:p>
+        </p:txBody>
+      </p:sp>
+      <p:sp>
+        <p:nvSpPr>
+          <p:cNvPr id="4" name="Google Shape;434;p25">
+            <a:extLst>
+              <a:ext uri="{FF2B5EF4-FFF2-40B4-BE49-F238E27FC236}">
+                <a16:creationId xmlns:a16="http://schemas.microsoft.com/office/drawing/2014/main" id="{CE39AAB5-B119-1C42-576E-00B17EA3C4A6}"/>
+              </a:ext>
+            </a:extLst>
+          </p:cNvPr>
+          <p:cNvSpPr txBox="1">
+            <a:spLocks/>
+          </p:cNvSpPr>
+          <p:nvPr/>
+        </p:nvSpPr>
+        <p:spPr>
+          <a:xfrm>
+            <a:off x="2642916" y="3826465"/>
+            <a:ext cx="4393996" cy="908758"/>
+          </a:xfrm>
+          <a:prstGeom prst="rect">
+            <a:avLst/>
+          </a:prstGeom>
+        </p:spPr>
+        <p:txBody>
+          <a:bodyPr spcFirstLastPara="1" wrap="square" lIns="91425" tIns="91425" rIns="91425" bIns="91425" anchor="t" anchorCtr="0">
+            <a:noAutofit/>
+          </a:bodyPr>
+          <a:lstStyle>
+            <a:defPPr marR="0" lvl="0" algn="l" rtl="0">
+              <a:lnSpc>
+                <a:spcPct val="100000"/>
+              </a:lnSpc>
+              <a:spcBef>
+                <a:spcPts val="0"/>
+              </a:spcBef>
+              <a:spcAft>
+                <a:spcPts val="0"/>
+              </a:spcAft>
+            </a:defPPr>
+            <a:lvl1pPr marR="0" lvl="0" algn="l" rtl="0">
+              <a:lnSpc>
+                <a:spcPct val="100000"/>
+              </a:lnSpc>
+              <a:spcBef>
+                <a:spcPts val="0"/>
+              </a:spcBef>
+              <a:spcAft>
+                <a:spcPts val="0"/>
+              </a:spcAft>
+              <a:buClr>
+                <a:srgbClr val="000000"/>
+              </a:buClr>
+              <a:buFont typeface="Arial"/>
+              <a:defRPr sz="1400" b="0" i="0" u="none" strike="noStrike" cap="none">
+                <a:solidFill>
+                  <a:srgbClr val="000000"/>
+                </a:solidFill>
+                <a:latin typeface="Arial"/>
+                <a:ea typeface="Arial"/>
+                <a:cs typeface="Arial"/>
+                <a:sym typeface="Arial"/>
+              </a:defRPr>
+            </a:lvl1pPr>
+            <a:lvl2pPr marR="0" lvl="1" algn="l" rtl="0">
+              <a:lnSpc>
+                <a:spcPct val="100000"/>
+              </a:lnSpc>
+              <a:spcBef>
+                <a:spcPts val="0"/>
+              </a:spcBef>
+              <a:spcAft>
+                <a:spcPts val="0"/>
+              </a:spcAft>
+              <a:buClr>
+                <a:srgbClr val="000000"/>
+              </a:buClr>
+              <a:buFont typeface="Arial"/>
+              <a:defRPr sz="1400" b="0" i="0" u="none" strike="noStrike" cap="none">
+                <a:solidFill>
+                  <a:srgbClr val="000000"/>
+                </a:solidFill>
+                <a:latin typeface="Arial"/>
+                <a:ea typeface="Arial"/>
+                <a:cs typeface="Arial"/>
+                <a:sym typeface="Arial"/>
+              </a:defRPr>
+            </a:lvl2pPr>
+            <a:lvl3pPr marR="0" lvl="2" algn="l" rtl="0">
+              <a:lnSpc>
+                <a:spcPct val="100000"/>
+              </a:lnSpc>
+              <a:spcBef>
+                <a:spcPts val="0"/>
+              </a:spcBef>
+              <a:spcAft>
+                <a:spcPts val="0"/>
+              </a:spcAft>
+              <a:buClr>
+                <a:srgbClr val="000000"/>
+              </a:buClr>
+              <a:buFont typeface="Arial"/>
+              <a:defRPr sz="1400" b="0" i="0" u="none" strike="noStrike" cap="none">
+                <a:solidFill>
+                  <a:srgbClr val="000000"/>
+                </a:solidFill>
+                <a:latin typeface="Arial"/>
+                <a:ea typeface="Arial"/>
+                <a:cs typeface="Arial"/>
+                <a:sym typeface="Arial"/>
+              </a:defRPr>
+            </a:lvl3pPr>
+            <a:lvl4pPr marR="0" lvl="3" algn="l" rtl="0">
+              <a:lnSpc>
+                <a:spcPct val="100000"/>
+              </a:lnSpc>
+              <a:spcBef>
+                <a:spcPts val="0"/>
+              </a:spcBef>
+              <a:spcAft>
+                <a:spcPts val="0"/>
+              </a:spcAft>
+              <a:buClr>
+                <a:srgbClr val="000000"/>
+              </a:buClr>
+              <a:buFont typeface="Arial"/>
+              <a:defRPr sz="1400" b="0" i="0" u="none" strike="noStrike" cap="none">
+                <a:solidFill>
+                  <a:srgbClr val="000000"/>
+                </a:solidFill>
+                <a:latin typeface="Arial"/>
+                <a:ea typeface="Arial"/>
+                <a:cs typeface="Arial"/>
+                <a:sym typeface="Arial"/>
+              </a:defRPr>
+            </a:lvl4pPr>
+            <a:lvl5pPr marR="0" lvl="4" algn="l" rtl="0">
+              <a:lnSpc>
+                <a:spcPct val="100000"/>
+              </a:lnSpc>
+              <a:spcBef>
+                <a:spcPts val="0"/>
+              </a:spcBef>
+              <a:spcAft>
+                <a:spcPts val="0"/>
+              </a:spcAft>
+              <a:buClr>
+                <a:srgbClr val="000000"/>
+              </a:buClr>
+              <a:buFont typeface="Arial"/>
+              <a:defRPr sz="1400" b="0" i="0" u="none" strike="noStrike" cap="none">
+                <a:solidFill>
+                  <a:srgbClr val="000000"/>
+                </a:solidFill>
+                <a:latin typeface="Arial"/>
+                <a:ea typeface="Arial"/>
+                <a:cs typeface="Arial"/>
+                <a:sym typeface="Arial"/>
+              </a:defRPr>
+            </a:lvl5pPr>
+            <a:lvl6pPr marR="0" lvl="5" algn="l" rtl="0">
+              <a:lnSpc>
+                <a:spcPct val="100000"/>
+              </a:lnSpc>
+              <a:spcBef>
+                <a:spcPts val="0"/>
+              </a:spcBef>
+              <a:spcAft>
+                <a:spcPts val="0"/>
+              </a:spcAft>
+              <a:buClr>
+                <a:srgbClr val="000000"/>
+              </a:buClr>
+              <a:buFont typeface="Arial"/>
+              <a:defRPr sz="1400" b="0" i="0" u="none" strike="noStrike" cap="none">
+                <a:solidFill>
+                  <a:srgbClr val="000000"/>
+                </a:solidFill>
+                <a:latin typeface="Arial"/>
+                <a:ea typeface="Arial"/>
+                <a:cs typeface="Arial"/>
+                <a:sym typeface="Arial"/>
+              </a:defRPr>
+            </a:lvl6pPr>
+            <a:lvl7pPr marR="0" lvl="6" algn="l" rtl="0">
+              <a:lnSpc>
+                <a:spcPct val="100000"/>
+              </a:lnSpc>
+              <a:spcBef>
+                <a:spcPts val="0"/>
+              </a:spcBef>
+              <a:spcAft>
+                <a:spcPts val="0"/>
+              </a:spcAft>
+              <a:buClr>
+                <a:srgbClr val="000000"/>
+              </a:buClr>
+              <a:buFont typeface="Arial"/>
+              <a:defRPr sz="1400" b="0" i="0" u="none" strike="noStrike" cap="none">
+                <a:solidFill>
+                  <a:srgbClr val="000000"/>
+                </a:solidFill>
+                <a:latin typeface="Arial"/>
+                <a:ea typeface="Arial"/>
+                <a:cs typeface="Arial"/>
+                <a:sym typeface="Arial"/>
+              </a:defRPr>
+            </a:lvl7pPr>
+            <a:lvl8pPr marR="0" lvl="7" algn="l" rtl="0">
+              <a:lnSpc>
+                <a:spcPct val="100000"/>
+              </a:lnSpc>
+              <a:spcBef>
+                <a:spcPts val="0"/>
+              </a:spcBef>
+              <a:spcAft>
+                <a:spcPts val="0"/>
+              </a:spcAft>
+              <a:buClr>
+                <a:srgbClr val="000000"/>
+              </a:buClr>
+              <a:buFont typeface="Arial"/>
+              <a:defRPr sz="1400" b="0" i="0" u="none" strike="noStrike" cap="none">
+                <a:solidFill>
+                  <a:srgbClr val="000000"/>
+                </a:solidFill>
+                <a:latin typeface="Arial"/>
+                <a:ea typeface="Arial"/>
+                <a:cs typeface="Arial"/>
+                <a:sym typeface="Arial"/>
+              </a:defRPr>
+            </a:lvl8pPr>
+            <a:lvl9pPr marR="0" lvl="8" algn="l" rtl="0">
+              <a:lnSpc>
+                <a:spcPct val="100000"/>
+              </a:lnSpc>
+              <a:spcBef>
+                <a:spcPts val="0"/>
+              </a:spcBef>
+              <a:spcAft>
+                <a:spcPts val="0"/>
+              </a:spcAft>
+              <a:buClr>
+                <a:srgbClr val="000000"/>
+              </a:buClr>
+              <a:buFont typeface="Arial"/>
+              <a:defRPr sz="1400" b="0" i="0" u="none" strike="noStrike" cap="none">
+                <a:solidFill>
+                  <a:srgbClr val="000000"/>
+                </a:solidFill>
+                <a:latin typeface="Arial"/>
+                <a:ea typeface="Arial"/>
+                <a:cs typeface="Arial"/>
+                <a:sym typeface="Arial"/>
+              </a:defRPr>
+            </a:lvl9pPr>
+          </a:lstStyle>
+          <a:p>
+            <a:r>
+              <a:rPr lang="en-US" sz="1800" b="1" dirty="0">
+                <a:solidFill>
+                  <a:schemeClr val="lt1"/>
+                </a:solidFill>
+                <a:latin typeface="Share Tech"/>
+              </a:rPr>
+              <a:t>CREDITS</a:t>
+            </a:r>
+            <a:r>
+              <a:rPr lang="en-US" sz="1800" dirty="0">
+                <a:solidFill>
+                  <a:schemeClr val="lt1"/>
+                </a:solidFill>
+                <a:latin typeface="Share Tech"/>
+              </a:rPr>
+              <a:t>: This template was taken from </a:t>
+            </a:r>
+            <a:r>
+              <a:rPr lang="en-US" sz="1800" b="1" dirty="0" err="1">
+                <a:solidFill>
+                  <a:schemeClr val="lt1"/>
+                </a:solidFill>
+                <a:latin typeface="Share Tech"/>
+              </a:rPr>
+              <a:t>Slidesgo</a:t>
+            </a:r>
+            <a:r>
+              <a:rPr lang="en-US" sz="1800" dirty="0">
+                <a:solidFill>
+                  <a:schemeClr val="lt1"/>
+                </a:solidFill>
+                <a:latin typeface="Share Tech"/>
+              </a:rPr>
+              <a:t>, including the </a:t>
+            </a:r>
+            <a:r>
+              <a:rPr lang="en-US" sz="1800" b="1" dirty="0">
+                <a:solidFill>
+                  <a:schemeClr val="lt1"/>
+                </a:solidFill>
+                <a:latin typeface="Share Tech"/>
+              </a:rPr>
+              <a:t>fonts</a:t>
+            </a:r>
+          </a:p>
+          <a:p>
+            <a:endParaRPr lang="en-US" dirty="0"/>
+          </a:p>
+          <a:p>
+            <a:endParaRPr lang="en-US" dirty="0"/>
+          </a:p>
+          <a:p>
+            <a:pPr algn="ctr"/>
+            <a:endParaRPr lang="en-US" dirty="0"/>
+          </a:p>
+        </p:txBody>
+      </p:sp>
+    </p:spTree>
+    <p:extLst>
+      <p:ext uri="{BB962C8B-B14F-4D97-AF65-F5344CB8AC3E}">
+        <p14:creationId xmlns:p14="http://schemas.microsoft.com/office/powerpoint/2010/main" val="3621027662"/>
       </p:ext>
     </p:extLst>
   </p:cSld>
@@ -14866,10 +15244,10 @@
       </p:sp>
       <p:pic>
         <p:nvPicPr>
-          <p:cNvPr id="7" name="Picture 6">
+          <p:cNvPr id="3" name="Picture 2">
             <a:extLst>
               <a:ext uri="{FF2B5EF4-FFF2-40B4-BE49-F238E27FC236}">
-                <a16:creationId xmlns:a16="http://schemas.microsoft.com/office/drawing/2014/main" id="{A738C6F2-2995-8D69-8D50-965F3D034B79}"/>
+                <a16:creationId xmlns:a16="http://schemas.microsoft.com/office/drawing/2014/main" id="{168ECAFF-052B-7DBE-10EA-B69E727A78B6}"/>
               </a:ext>
             </a:extLst>
           </p:cNvPr>
@@ -14886,8 +15264,8 @@
         </p:blipFill>
         <p:spPr>
           <a:xfrm>
-            <a:off x="4043265" y="603097"/>
-            <a:ext cx="4670584" cy="4287999"/>
+            <a:off x="4572000" y="658024"/>
+            <a:ext cx="4122807" cy="4317773"/>
           </a:xfrm>
           <a:prstGeom prst="rect">
             <a:avLst/>

--- a/SC1015 Project Slides.pptx
+++ b/SC1015 Project Slides.pptx
@@ -33,7 +33,7 @@
       <p:italic r:id="rId19"/>
     </p:embeddedFont>
     <p:embeddedFont>
-      <p:font typeface="Maven Pro" panose="02010600030101010101" charset="0"/>
+      <p:font typeface="Maven Pro" panose="020B0604020202020204" charset="0"/>
       <p:regular r:id="rId20"/>
       <p:bold r:id="rId21"/>
     </p:embeddedFont>
@@ -43,7 +43,7 @@
       <p:italic r:id="rId23"/>
     </p:embeddedFont>
     <p:embeddedFont>
-      <p:font typeface="Share Tech" panose="02010600030101010101" charset="0"/>
+      <p:font typeface="Share Tech" panose="020B0604020202020204" charset="0"/>
       <p:regular r:id="rId24"/>
     </p:embeddedFont>
   </p:embeddedFontLst>
@@ -11707,7 +11707,7 @@
         </p:nvSpPr>
         <p:spPr>
           <a:xfrm>
-            <a:off x="564048" y="901724"/>
+            <a:off x="564048" y="1253745"/>
             <a:ext cx="4178640" cy="3402052"/>
           </a:xfrm>
           <a:prstGeom prst="rect">
@@ -11732,7 +11732,7 @@
               <a:buChar char="•"/>
             </a:pPr>
             <a:r>
-              <a:rPr lang="en-US" sz="2400" dirty="0" err="1">
+              <a:rPr lang="en-US" sz="1800" dirty="0" err="1">
                 <a:solidFill>
                   <a:schemeClr val="lt1"/>
                 </a:solidFill>
@@ -11741,7 +11741,7 @@
               <a:t>XGBoost</a:t>
             </a:r>
             <a:r>
-              <a:rPr lang="en-US" sz="2400" dirty="0">
+              <a:rPr lang="en-US" sz="1800" dirty="0">
                 <a:solidFill>
                   <a:schemeClr val="lt1"/>
                 </a:solidFill>
@@ -11758,7 +11758,7 @@
               <a:buFont typeface="Arial" panose="020B0604020202020204" pitchFamily="34" charset="0"/>
               <a:buChar char="•"/>
             </a:pPr>
-            <a:endParaRPr lang="en-US" sz="2400" dirty="0">
+            <a:endParaRPr lang="en-US" sz="1800" dirty="0">
               <a:solidFill>
                 <a:schemeClr val="lt1"/>
               </a:solidFill>
@@ -11774,7 +11774,7 @@
               <a:buChar char="•"/>
             </a:pPr>
             <a:r>
-              <a:rPr lang="en-US" sz="2400" dirty="0">
+              <a:rPr lang="en-US" sz="1800" dirty="0">
                 <a:solidFill>
                   <a:schemeClr val="lt1"/>
                 </a:solidFill>
@@ -11791,7 +11791,7 @@
               <a:buFont typeface="Arial" panose="020B0604020202020204" pitchFamily="34" charset="0"/>
               <a:buChar char="•"/>
             </a:pPr>
-            <a:endParaRPr lang="en-US" sz="2400" dirty="0">
+            <a:endParaRPr lang="en-US" sz="1800" dirty="0">
               <a:solidFill>
                 <a:schemeClr val="lt1"/>
               </a:solidFill>
@@ -11807,7 +11807,7 @@
               <a:buChar char="•"/>
             </a:pPr>
             <a:r>
-              <a:rPr lang="en-US" sz="2400" dirty="0">
+              <a:rPr lang="en-US" sz="1800" dirty="0">
                 <a:solidFill>
                   <a:schemeClr val="lt1"/>
                 </a:solidFill>
